--- a/docs/songs/trust in god.pptx
+++ b/docs/songs/trust in god.pptx
@@ -5,16 +5,18 @@
     <p:sldMasterId id="2147483648" r:id="rId1"/>
   </p:sldMasterIdLst>
   <p:notesMasterIdLst>
-    <p:notesMasterId r:id="rId9"/>
+    <p:notesMasterId r:id="rId11"/>
   </p:notesMasterIdLst>
   <p:sldIdLst>
     <p:sldId id="438" r:id="rId2"/>
     <p:sldId id="439" r:id="rId3"/>
-    <p:sldId id="440" r:id="rId4"/>
-    <p:sldId id="441" r:id="rId5"/>
-    <p:sldId id="442" r:id="rId6"/>
-    <p:sldId id="443" r:id="rId7"/>
-    <p:sldId id="444" r:id="rId8"/>
+    <p:sldId id="1343" r:id="rId4"/>
+    <p:sldId id="440" r:id="rId5"/>
+    <p:sldId id="441" r:id="rId6"/>
+    <p:sldId id="1342" r:id="rId7"/>
+    <p:sldId id="442" r:id="rId8"/>
+    <p:sldId id="443" r:id="rId9"/>
+    <p:sldId id="444" r:id="rId10"/>
   </p:sldIdLst>
   <p:sldSz cx="9144000" cy="6858000" type="screen4x3"/>
   <p:notesSz cx="6858000" cy="9144000"/>
@@ -214,7 +216,7 @@
           <a:p>
             <a:fld id="{C57EAEFC-A9C7-464E-BE3F-33D4DD72E122}" type="datetimeFigureOut">
               <a:rPr lang="en-GB" smtClean="0"/>
-              <a:t>16/09/2024</a:t>
+              <a:t>05/06/2025</a:t>
             </a:fld>
             <a:endParaRPr lang="en-GB"/>
           </a:p>
@@ -664,7 +666,7 @@
             <a:fld id="{26EA1CF3-4A15-4CBF-9A5A-6A56C368BE71}" type="datetimeFigureOut">
               <a:rPr lang="en-GB" smtClean="0"/>
               <a:pPr/>
-              <a:t>16/09/2024</a:t>
+              <a:t>05/06/2025</a:t>
             </a:fld>
             <a:endParaRPr lang="en-GB"/>
           </a:p>
@@ -831,7 +833,7 @@
             <a:fld id="{26EA1CF3-4A15-4CBF-9A5A-6A56C368BE71}" type="datetimeFigureOut">
               <a:rPr lang="en-GB" smtClean="0"/>
               <a:pPr/>
-              <a:t>16/09/2024</a:t>
+              <a:t>05/06/2025</a:t>
             </a:fld>
             <a:endParaRPr lang="en-GB"/>
           </a:p>
@@ -1008,7 +1010,7 @@
             <a:fld id="{26EA1CF3-4A15-4CBF-9A5A-6A56C368BE71}" type="datetimeFigureOut">
               <a:rPr lang="en-GB" smtClean="0"/>
               <a:pPr/>
-              <a:t>16/09/2024</a:t>
+              <a:t>05/06/2025</a:t>
             </a:fld>
             <a:endParaRPr lang="en-GB"/>
           </a:p>
@@ -1175,7 +1177,7 @@
             <a:fld id="{26EA1CF3-4A15-4CBF-9A5A-6A56C368BE71}" type="datetimeFigureOut">
               <a:rPr lang="en-GB" smtClean="0"/>
               <a:pPr/>
-              <a:t>16/09/2024</a:t>
+              <a:t>05/06/2025</a:t>
             </a:fld>
             <a:endParaRPr lang="en-GB"/>
           </a:p>
@@ -1418,7 +1420,7 @@
             <a:fld id="{26EA1CF3-4A15-4CBF-9A5A-6A56C368BE71}" type="datetimeFigureOut">
               <a:rPr lang="en-GB" smtClean="0"/>
               <a:pPr/>
-              <a:t>16/09/2024</a:t>
+              <a:t>05/06/2025</a:t>
             </a:fld>
             <a:endParaRPr lang="en-GB"/>
           </a:p>
@@ -1703,7 +1705,7 @@
             <a:fld id="{26EA1CF3-4A15-4CBF-9A5A-6A56C368BE71}" type="datetimeFigureOut">
               <a:rPr lang="en-GB" smtClean="0"/>
               <a:pPr/>
-              <a:t>16/09/2024</a:t>
+              <a:t>05/06/2025</a:t>
             </a:fld>
             <a:endParaRPr lang="en-GB"/>
           </a:p>
@@ -2122,7 +2124,7 @@
             <a:fld id="{26EA1CF3-4A15-4CBF-9A5A-6A56C368BE71}" type="datetimeFigureOut">
               <a:rPr lang="en-GB" smtClean="0"/>
               <a:pPr/>
-              <a:t>16/09/2024</a:t>
+              <a:t>05/06/2025</a:t>
             </a:fld>
             <a:endParaRPr lang="en-GB"/>
           </a:p>
@@ -2237,7 +2239,7 @@
             <a:fld id="{26EA1CF3-4A15-4CBF-9A5A-6A56C368BE71}" type="datetimeFigureOut">
               <a:rPr lang="en-GB" smtClean="0"/>
               <a:pPr/>
-              <a:t>16/09/2024</a:t>
+              <a:t>05/06/2025</a:t>
             </a:fld>
             <a:endParaRPr lang="en-GB"/>
           </a:p>
@@ -2329,7 +2331,7 @@
             <a:fld id="{26EA1CF3-4A15-4CBF-9A5A-6A56C368BE71}" type="datetimeFigureOut">
               <a:rPr lang="en-GB" smtClean="0"/>
               <a:pPr/>
-              <a:t>16/09/2024</a:t>
+              <a:t>05/06/2025</a:t>
             </a:fld>
             <a:endParaRPr lang="en-GB"/>
           </a:p>
@@ -2603,7 +2605,7 @@
             <a:fld id="{26EA1CF3-4A15-4CBF-9A5A-6A56C368BE71}" type="datetimeFigureOut">
               <a:rPr lang="en-GB" smtClean="0"/>
               <a:pPr/>
-              <a:t>16/09/2024</a:t>
+              <a:t>05/06/2025</a:t>
             </a:fld>
             <a:endParaRPr lang="en-GB"/>
           </a:p>
@@ -2853,7 +2855,7 @@
             <a:fld id="{26EA1CF3-4A15-4CBF-9A5A-6A56C368BE71}" type="datetimeFigureOut">
               <a:rPr lang="en-GB" smtClean="0"/>
               <a:pPr/>
-              <a:t>16/09/2024</a:t>
+              <a:t>05/06/2025</a:t>
             </a:fld>
             <a:endParaRPr lang="en-GB"/>
           </a:p>
@@ -3062,7 +3064,7 @@
             <a:fld id="{26EA1CF3-4A15-4CBF-9A5A-6A56C368BE71}" type="datetimeFigureOut">
               <a:rPr lang="en-GB" smtClean="0"/>
               <a:pPr/>
-              <a:t>16/09/2024</a:t>
+              <a:t>05/06/2025</a:t>
             </a:fld>
             <a:endParaRPr lang="en-GB"/>
           </a:p>
@@ -3744,46 +3746,6 @@
               <a:t>Time after time</a:t>
             </a:r>
           </a:p>
-          <a:p>
-            <a:r>
-              <a:rPr lang="en-GB" sz="3600" dirty="0">
-                <a:solidFill>
-                  <a:schemeClr val="bg1"/>
-                </a:solidFill>
-              </a:rPr>
-              <a:t>Born of His Spirit</a:t>
-            </a:r>
-          </a:p>
-          <a:p>
-            <a:r>
-              <a:rPr lang="en-GB" sz="3600" dirty="0">
-                <a:solidFill>
-                  <a:schemeClr val="bg1"/>
-                </a:solidFill>
-              </a:rPr>
-              <a:t>Washed in His blood</a:t>
-            </a:r>
-          </a:p>
-          <a:p>
-            <a:r>
-              <a:rPr lang="en-GB" sz="3600" dirty="0">
-                <a:solidFill>
-                  <a:schemeClr val="bg1"/>
-                </a:solidFill>
-              </a:rPr>
-              <a:t>And what He did for me on Calvary</a:t>
-            </a:r>
-          </a:p>
-          <a:p>
-            <a:r>
-              <a:rPr lang="en-GB" sz="3600" dirty="0">
-                <a:solidFill>
-                  <a:schemeClr val="bg1"/>
-                </a:solidFill>
-              </a:rPr>
-              <a:t>Is more than enough</a:t>
-            </a:r>
-          </a:p>
         </p:txBody>
       </p:sp>
       <p:sp>
@@ -3814,7 +3776,7 @@
                   <a:schemeClr val="bg1"/>
                 </a:solidFill>
               </a:rPr>
-              <a:t>1/6</a:t>
+              <a:t>1/8</a:t>
             </a:r>
           </a:p>
         </p:txBody>
@@ -3832,7 +3794,13 @@
   <p:cSld>
     <p:spTree>
       <p:nvGrpSpPr>
-        <p:cNvPr id="1" name=""/>
+        <p:cNvPr id="1" name="">
+          <a:extLst>
+            <a:ext uri="{FF2B5EF4-FFF2-40B4-BE49-F238E27FC236}">
+              <a16:creationId xmlns:a16="http://schemas.microsoft.com/office/drawing/2014/main" id="{EB0EFFE9-9AF6-3520-1693-6B1BF42B1FFF}"/>
+            </a:ext>
+          </a:extLst>
+        </p:cNvPr>
         <p:cNvGrpSpPr/>
         <p:nvPr/>
       </p:nvGrpSpPr>
@@ -3846,7 +3814,13 @@
       </p:grpSpPr>
       <p:sp>
         <p:nvSpPr>
-          <p:cNvPr id="3" name="Subtitle 2"/>
+          <p:cNvPr id="3" name="Subtitle 2">
+            <a:extLst>
+              <a:ext uri="{FF2B5EF4-FFF2-40B4-BE49-F238E27FC236}">
+                <a16:creationId xmlns:a16="http://schemas.microsoft.com/office/drawing/2014/main" id="{B30C42EE-321D-0919-D41A-964E8A3F0CB9}"/>
+              </a:ext>
+            </a:extLst>
+          </p:cNvPr>
           <p:cNvSpPr>
             <a:spLocks noGrp="1"/>
           </p:cNvSpPr>
@@ -3872,7 +3846,7 @@
                   <a:schemeClr val="bg1"/>
                 </a:solidFill>
               </a:rPr>
-              <a:t>I trust in God</a:t>
+              <a:t>Born of His Spirit</a:t>
             </a:r>
           </a:p>
           <a:p>
@@ -3882,7 +3856,7 @@
                   <a:schemeClr val="bg1"/>
                 </a:solidFill>
               </a:rPr>
-              <a:t>My Savior</a:t>
+              <a:t>Washed in His blood</a:t>
             </a:r>
           </a:p>
           <a:p>
@@ -3892,7 +3866,7 @@
                   <a:schemeClr val="bg1"/>
                 </a:solidFill>
               </a:rPr>
-              <a:t>The One who will never fail</a:t>
+              <a:t>And what He did for me on Calvary</a:t>
             </a:r>
           </a:p>
           <a:p>
@@ -3902,14 +3876,20 @@
                   <a:schemeClr val="bg1"/>
                 </a:solidFill>
               </a:rPr>
-              <a:t>He will never fail</a:t>
-            </a:r>
-          </a:p>
-        </p:txBody>
-      </p:sp>
-      <p:sp>
-        <p:nvSpPr>
-          <p:cNvPr id="4" name="TextBox 3"/>
+              <a:t>Is more than enough</a:t>
+            </a:r>
+          </a:p>
+        </p:txBody>
+      </p:sp>
+      <p:sp>
+        <p:nvSpPr>
+          <p:cNvPr id="4" name="TextBox 3">
+            <a:extLst>
+              <a:ext uri="{FF2B5EF4-FFF2-40B4-BE49-F238E27FC236}">
+                <a16:creationId xmlns:a16="http://schemas.microsoft.com/office/drawing/2014/main" id="{7BA22E81-4DF9-D930-DE65-DDEF6FD6BCED}"/>
+              </a:ext>
+            </a:extLst>
+          </p:cNvPr>
           <p:cNvSpPr txBox="1"/>
           <p:nvPr/>
         </p:nvSpPr>
@@ -3935,7 +3915,7 @@
                   <a:schemeClr val="bg1"/>
                 </a:solidFill>
               </a:rPr>
-              <a:t>2/6</a:t>
+              <a:t>2/8</a:t>
             </a:r>
           </a:p>
         </p:txBody>
@@ -3943,7 +3923,7 @@
     </p:spTree>
     <p:extLst>
       <p:ext uri="{BB962C8B-B14F-4D97-AF65-F5344CB8AC3E}">
-        <p14:creationId xmlns:p14="http://schemas.microsoft.com/office/powerpoint/2010/main" val="3895982594"/>
+        <p14:creationId xmlns:p14="http://schemas.microsoft.com/office/powerpoint/2010/main" val="1258070679"/>
       </p:ext>
     </p:extLst>
   </p:cSld>
@@ -3998,7 +3978,7 @@
                   <a:schemeClr val="bg1"/>
                 </a:solidFill>
               </a:rPr>
-              <a:t>Perfect submission</a:t>
+              <a:t>I trust in God</a:t>
             </a:r>
           </a:p>
           <a:p>
@@ -4008,7 +3988,7 @@
                   <a:schemeClr val="bg1"/>
                 </a:solidFill>
               </a:rPr>
-              <a:t>All is at rest</a:t>
+              <a:t>My Savior</a:t>
             </a:r>
           </a:p>
           <a:p>
@@ -4018,7 +3998,7 @@
                   <a:schemeClr val="bg1"/>
                 </a:solidFill>
               </a:rPr>
-              <a:t>I know the author of tomorrow</a:t>
+              <a:t>The One who will never fail</a:t>
             </a:r>
           </a:p>
           <a:p>
@@ -4028,47 +4008,7 @@
                   <a:schemeClr val="bg1"/>
                 </a:solidFill>
               </a:rPr>
-              <a:t>Has ordered my steps</a:t>
-            </a:r>
-          </a:p>
-          <a:p>
-            <a:r>
-              <a:rPr lang="en-GB" sz="3600" dirty="0">
-                <a:solidFill>
-                  <a:schemeClr val="bg1"/>
-                </a:solidFill>
-              </a:rPr>
-              <a:t>So this is my story</a:t>
-            </a:r>
-          </a:p>
-          <a:p>
-            <a:r>
-              <a:rPr lang="en-GB" sz="3600" dirty="0">
-                <a:solidFill>
-                  <a:schemeClr val="bg1"/>
-                </a:solidFill>
-              </a:rPr>
-              <a:t>And this is my song</a:t>
-            </a:r>
-          </a:p>
-          <a:p>
-            <a:r>
-              <a:rPr lang="en-GB" sz="3600" dirty="0">
-                <a:solidFill>
-                  <a:schemeClr val="bg1"/>
-                </a:solidFill>
-              </a:rPr>
-              <a:t>I’m praising my risen King and Savior</a:t>
-            </a:r>
-          </a:p>
-          <a:p>
-            <a:r>
-              <a:rPr lang="en-GB" sz="3600" dirty="0">
-                <a:solidFill>
-                  <a:schemeClr val="bg1"/>
-                </a:solidFill>
-              </a:rPr>
-              <a:t>All the day long</a:t>
+              <a:t>He will never fail</a:t>
             </a:r>
           </a:p>
         </p:txBody>
@@ -4101,7 +4041,7 @@
                   <a:schemeClr val="bg1"/>
                 </a:solidFill>
               </a:rPr>
-              <a:t>3/6</a:t>
+              <a:t>3/8</a:t>
             </a:r>
           </a:p>
         </p:txBody>
@@ -4109,7 +4049,7 @@
     </p:spTree>
     <p:extLst>
       <p:ext uri="{BB962C8B-B14F-4D97-AF65-F5344CB8AC3E}">
-        <p14:creationId xmlns:p14="http://schemas.microsoft.com/office/powerpoint/2010/main" val="672049419"/>
+        <p14:creationId xmlns:p14="http://schemas.microsoft.com/office/powerpoint/2010/main" val="3895982594"/>
       </p:ext>
     </p:extLst>
   </p:cSld>
@@ -4164,7 +4104,7 @@
                   <a:schemeClr val="bg1"/>
                 </a:solidFill>
               </a:rPr>
-              <a:t>I trust in God</a:t>
+              <a:t>Perfect submission</a:t>
             </a:r>
           </a:p>
           <a:p>
@@ -4174,7 +4114,7 @@
                   <a:schemeClr val="bg1"/>
                 </a:solidFill>
               </a:rPr>
-              <a:t>My Savior</a:t>
+              <a:t>All is at rest</a:t>
             </a:r>
           </a:p>
           <a:p>
@@ -4184,7 +4124,7 @@
                   <a:schemeClr val="bg1"/>
                 </a:solidFill>
               </a:rPr>
-              <a:t>The One who will never fail</a:t>
+              <a:t>I know the author of tomorrow</a:t>
             </a:r>
           </a:p>
           <a:p>
@@ -4194,7 +4134,7 @@
                   <a:schemeClr val="bg1"/>
                 </a:solidFill>
               </a:rPr>
-              <a:t>He will never fail</a:t>
+              <a:t>Has ordered my steps</a:t>
             </a:r>
           </a:p>
         </p:txBody>
@@ -4227,7 +4167,7 @@
                   <a:schemeClr val="bg1"/>
                 </a:solidFill>
               </a:rPr>
-              <a:t>4/6</a:t>
+              <a:t>4/8</a:t>
             </a:r>
           </a:p>
         </p:txBody>
@@ -4235,7 +4175,7 @@
     </p:spTree>
     <p:extLst>
       <p:ext uri="{BB962C8B-B14F-4D97-AF65-F5344CB8AC3E}">
-        <p14:creationId xmlns:p14="http://schemas.microsoft.com/office/powerpoint/2010/main" val="3340523204"/>
+        <p14:creationId xmlns:p14="http://schemas.microsoft.com/office/powerpoint/2010/main" val="672049419"/>
       </p:ext>
     </p:extLst>
   </p:cSld>
@@ -4250,7 +4190,13 @@
   <p:cSld>
     <p:spTree>
       <p:nvGrpSpPr>
-        <p:cNvPr id="1" name=""/>
+        <p:cNvPr id="1" name="">
+          <a:extLst>
+            <a:ext uri="{FF2B5EF4-FFF2-40B4-BE49-F238E27FC236}">
+              <a16:creationId xmlns:a16="http://schemas.microsoft.com/office/drawing/2014/main" id="{916E0B34-9597-ACF0-CF9F-08F30677DEC3}"/>
+            </a:ext>
+          </a:extLst>
+        </p:cNvPr>
         <p:cNvGrpSpPr/>
         <p:nvPr/>
       </p:nvGrpSpPr>
@@ -4264,7 +4210,13 @@
       </p:grpSpPr>
       <p:sp>
         <p:nvSpPr>
-          <p:cNvPr id="3" name="Subtitle 2"/>
+          <p:cNvPr id="3" name="Subtitle 2">
+            <a:extLst>
+              <a:ext uri="{FF2B5EF4-FFF2-40B4-BE49-F238E27FC236}">
+                <a16:creationId xmlns:a16="http://schemas.microsoft.com/office/drawing/2014/main" id="{DEB2D613-8D85-57A9-1F8C-1FA28D183DC4}"/>
+              </a:ext>
+            </a:extLst>
+          </p:cNvPr>
           <p:cNvSpPr>
             <a:spLocks noGrp="1"/>
           </p:cNvSpPr>
@@ -4290,7 +4242,7 @@
                   <a:schemeClr val="bg1"/>
                 </a:solidFill>
               </a:rPr>
-              <a:t>I sought the Lord and He heard and He answered</a:t>
+              <a:t>So this is my story</a:t>
             </a:r>
           </a:p>
           <a:p>
@@ -4300,7 +4252,7 @@
                   <a:schemeClr val="bg1"/>
                 </a:solidFill>
               </a:rPr>
-              <a:t>I sought the Lord and He heard and He answered</a:t>
+              <a:t>And this is my song</a:t>
             </a:r>
           </a:p>
           <a:p>
@@ -4310,7 +4262,7 @@
                   <a:schemeClr val="bg1"/>
                 </a:solidFill>
               </a:rPr>
-              <a:t>I sought the Lord and He heard and He answered</a:t>
+              <a:t>I’m praising my risen King and Savior</a:t>
             </a:r>
           </a:p>
           <a:p>
@@ -4320,24 +4272,20 @@
                   <a:schemeClr val="bg1"/>
                 </a:solidFill>
               </a:rPr>
-              <a:t>That’s why I trust Him</a:t>
-            </a:r>
-          </a:p>
-          <a:p>
-            <a:r>
-              <a:rPr lang="en-GB" sz="3600" dirty="0">
-                <a:solidFill>
-                  <a:schemeClr val="bg1"/>
-                </a:solidFill>
-              </a:rPr>
-              <a:t>That’s why (I trust Him)</a:t>
-            </a:r>
-          </a:p>
-        </p:txBody>
-      </p:sp>
-      <p:sp>
-        <p:nvSpPr>
-          <p:cNvPr id="4" name="TextBox 3"/>
+              <a:t>All the day long</a:t>
+            </a:r>
+          </a:p>
+        </p:txBody>
+      </p:sp>
+      <p:sp>
+        <p:nvSpPr>
+          <p:cNvPr id="4" name="TextBox 3">
+            <a:extLst>
+              <a:ext uri="{FF2B5EF4-FFF2-40B4-BE49-F238E27FC236}">
+                <a16:creationId xmlns:a16="http://schemas.microsoft.com/office/drawing/2014/main" id="{4F675606-26C6-5CDF-2B12-8034AD615444}"/>
+              </a:ext>
+            </a:extLst>
+          </p:cNvPr>
           <p:cNvSpPr txBox="1"/>
           <p:nvPr/>
         </p:nvSpPr>
@@ -4363,7 +4311,7 @@
                   <a:schemeClr val="bg1"/>
                 </a:solidFill>
               </a:rPr>
-              <a:t>5/6</a:t>
+              <a:t>5/8</a:t>
             </a:r>
           </a:p>
         </p:txBody>
@@ -4371,7 +4319,7 @@
     </p:spTree>
     <p:extLst>
       <p:ext uri="{BB962C8B-B14F-4D97-AF65-F5344CB8AC3E}">
-        <p14:creationId xmlns:p14="http://schemas.microsoft.com/office/powerpoint/2010/main" val="75743701"/>
+        <p14:creationId xmlns:p14="http://schemas.microsoft.com/office/powerpoint/2010/main" val="3278717591"/>
       </p:ext>
     </p:extLst>
   </p:cSld>
@@ -4489,7 +4437,269 @@
                   <a:schemeClr val="bg1"/>
                 </a:solidFill>
               </a:rPr>
-              <a:t>6/6</a:t>
+              <a:t>6/8</a:t>
+            </a:r>
+          </a:p>
+        </p:txBody>
+      </p:sp>
+    </p:spTree>
+    <p:extLst>
+      <p:ext uri="{BB962C8B-B14F-4D97-AF65-F5344CB8AC3E}">
+        <p14:creationId xmlns:p14="http://schemas.microsoft.com/office/powerpoint/2010/main" val="3340523204"/>
+      </p:ext>
+    </p:extLst>
+  </p:cSld>
+  <p:clrMapOvr>
+    <a:masterClrMapping/>
+  </p:clrMapOvr>
+</p:sld>
+</file>
+
+<file path=ppt/slides/slide8.xml><?xml version="1.0" encoding="utf-8"?>
+<p:sld xmlns:a="http://schemas.openxmlformats.org/drawingml/2006/main" xmlns:r="http://schemas.openxmlformats.org/officeDocument/2006/relationships" xmlns:p="http://schemas.openxmlformats.org/presentationml/2006/main">
+  <p:cSld>
+    <p:spTree>
+      <p:nvGrpSpPr>
+        <p:cNvPr id="1" name=""/>
+        <p:cNvGrpSpPr/>
+        <p:nvPr/>
+      </p:nvGrpSpPr>
+      <p:grpSpPr>
+        <a:xfrm>
+          <a:off x="0" y="0"/>
+          <a:ext cx="0" cy="0"/>
+          <a:chOff x="0" y="0"/>
+          <a:chExt cx="0" cy="0"/>
+        </a:xfrm>
+      </p:grpSpPr>
+      <p:sp>
+        <p:nvSpPr>
+          <p:cNvPr id="3" name="Subtitle 2"/>
+          <p:cNvSpPr>
+            <a:spLocks noGrp="1"/>
+          </p:cNvSpPr>
+          <p:nvPr>
+            <p:ph type="subTitle" idx="1"/>
+          </p:nvPr>
+        </p:nvSpPr>
+        <p:spPr>
+          <a:xfrm>
+            <a:off x="203118" y="764704"/>
+            <a:ext cx="8640960" cy="6480720"/>
+          </a:xfrm>
+        </p:spPr>
+        <p:txBody>
+          <a:bodyPr>
+            <a:noAutofit/>
+          </a:bodyPr>
+          <a:lstStyle/>
+          <a:p>
+            <a:r>
+              <a:rPr lang="en-GB" sz="3600" dirty="0">
+                <a:solidFill>
+                  <a:schemeClr val="bg1"/>
+                </a:solidFill>
+              </a:rPr>
+              <a:t>I sought the Lord and </a:t>
+            </a:r>
+          </a:p>
+          <a:p>
+            <a:r>
+              <a:rPr lang="en-GB" sz="3600" dirty="0">
+                <a:solidFill>
+                  <a:schemeClr val="bg1"/>
+                </a:solidFill>
+              </a:rPr>
+              <a:t>He heard and He answered</a:t>
+            </a:r>
+          </a:p>
+          <a:p>
+            <a:r>
+              <a:rPr lang="en-GB" sz="3600" dirty="0">
+                <a:solidFill>
+                  <a:schemeClr val="bg1"/>
+                </a:solidFill>
+              </a:rPr>
+              <a:t>(X3)</a:t>
+            </a:r>
+          </a:p>
+          <a:p>
+            <a:r>
+              <a:rPr lang="en-GB" sz="3600" dirty="0">
+                <a:solidFill>
+                  <a:schemeClr val="bg1"/>
+                </a:solidFill>
+              </a:rPr>
+              <a:t>That’s why I trust Him</a:t>
+            </a:r>
+          </a:p>
+          <a:p>
+            <a:r>
+              <a:rPr lang="en-GB" sz="3600" dirty="0">
+                <a:solidFill>
+                  <a:schemeClr val="bg1"/>
+                </a:solidFill>
+              </a:rPr>
+              <a:t>That’s why (I trust Him)</a:t>
+            </a:r>
+          </a:p>
+        </p:txBody>
+      </p:sp>
+      <p:sp>
+        <p:nvSpPr>
+          <p:cNvPr id="4" name="TextBox 3"/>
+          <p:cNvSpPr txBox="1"/>
+          <p:nvPr/>
+        </p:nvSpPr>
+        <p:spPr>
+          <a:xfrm>
+            <a:off x="8529729" y="0"/>
+            <a:ext cx="628698" cy="461665"/>
+          </a:xfrm>
+          <a:prstGeom prst="rect">
+            <a:avLst/>
+          </a:prstGeom>
+          <a:noFill/>
+        </p:spPr>
+        <p:txBody>
+          <a:bodyPr wrap="none" rtlCol="0">
+            <a:spAutoFit/>
+          </a:bodyPr>
+          <a:lstStyle/>
+          <a:p>
+            <a:r>
+              <a:rPr lang="en-GB" sz="2400" b="1" dirty="0">
+                <a:solidFill>
+                  <a:schemeClr val="bg1"/>
+                </a:solidFill>
+              </a:rPr>
+              <a:t>7/8</a:t>
+            </a:r>
+          </a:p>
+        </p:txBody>
+      </p:sp>
+    </p:spTree>
+    <p:extLst>
+      <p:ext uri="{BB962C8B-B14F-4D97-AF65-F5344CB8AC3E}">
+        <p14:creationId xmlns:p14="http://schemas.microsoft.com/office/powerpoint/2010/main" val="75743701"/>
+      </p:ext>
+    </p:extLst>
+  </p:cSld>
+  <p:clrMapOvr>
+    <a:masterClrMapping/>
+  </p:clrMapOvr>
+</p:sld>
+</file>
+
+<file path=ppt/slides/slide9.xml><?xml version="1.0" encoding="utf-8"?>
+<p:sld xmlns:a="http://schemas.openxmlformats.org/drawingml/2006/main" xmlns:r="http://schemas.openxmlformats.org/officeDocument/2006/relationships" xmlns:p="http://schemas.openxmlformats.org/presentationml/2006/main">
+  <p:cSld>
+    <p:spTree>
+      <p:nvGrpSpPr>
+        <p:cNvPr id="1" name=""/>
+        <p:cNvGrpSpPr/>
+        <p:nvPr/>
+      </p:nvGrpSpPr>
+      <p:grpSpPr>
+        <a:xfrm>
+          <a:off x="0" y="0"/>
+          <a:ext cx="0" cy="0"/>
+          <a:chOff x="0" y="0"/>
+          <a:chExt cx="0" cy="0"/>
+        </a:xfrm>
+      </p:grpSpPr>
+      <p:sp>
+        <p:nvSpPr>
+          <p:cNvPr id="3" name="Subtitle 2"/>
+          <p:cNvSpPr>
+            <a:spLocks noGrp="1"/>
+          </p:cNvSpPr>
+          <p:nvPr>
+            <p:ph type="subTitle" idx="1"/>
+          </p:nvPr>
+        </p:nvSpPr>
+        <p:spPr>
+          <a:xfrm>
+            <a:off x="203118" y="764704"/>
+            <a:ext cx="8640960" cy="6480720"/>
+          </a:xfrm>
+        </p:spPr>
+        <p:txBody>
+          <a:bodyPr>
+            <a:noAutofit/>
+          </a:bodyPr>
+          <a:lstStyle/>
+          <a:p>
+            <a:r>
+              <a:rPr lang="en-GB" sz="3600" dirty="0">
+                <a:solidFill>
+                  <a:schemeClr val="bg1"/>
+                </a:solidFill>
+              </a:rPr>
+              <a:t>I trust in God</a:t>
+            </a:r>
+          </a:p>
+          <a:p>
+            <a:r>
+              <a:rPr lang="en-GB" sz="3600" dirty="0">
+                <a:solidFill>
+                  <a:schemeClr val="bg1"/>
+                </a:solidFill>
+              </a:rPr>
+              <a:t>My Savior</a:t>
+            </a:r>
+          </a:p>
+          <a:p>
+            <a:r>
+              <a:rPr lang="en-GB" sz="3600" dirty="0">
+                <a:solidFill>
+                  <a:schemeClr val="bg1"/>
+                </a:solidFill>
+              </a:rPr>
+              <a:t>The One who will never fail</a:t>
+            </a:r>
+          </a:p>
+          <a:p>
+            <a:r>
+              <a:rPr lang="en-GB" sz="3600" dirty="0">
+                <a:solidFill>
+                  <a:schemeClr val="bg1"/>
+                </a:solidFill>
+              </a:rPr>
+              <a:t>He will never fail</a:t>
+            </a:r>
+          </a:p>
+        </p:txBody>
+      </p:sp>
+      <p:sp>
+        <p:nvSpPr>
+          <p:cNvPr id="4" name="TextBox 3"/>
+          <p:cNvSpPr txBox="1"/>
+          <p:nvPr/>
+        </p:nvSpPr>
+        <p:spPr>
+          <a:xfrm>
+            <a:off x="8529729" y="0"/>
+            <a:ext cx="628698" cy="461665"/>
+          </a:xfrm>
+          <a:prstGeom prst="rect">
+            <a:avLst/>
+          </a:prstGeom>
+          <a:noFill/>
+        </p:spPr>
+        <p:txBody>
+          <a:bodyPr wrap="none" rtlCol="0">
+            <a:spAutoFit/>
+          </a:bodyPr>
+          <a:lstStyle/>
+          <a:p>
+            <a:r>
+              <a:rPr lang="en-GB" sz="2400" b="1" dirty="0">
+                <a:solidFill>
+                  <a:schemeClr val="bg1"/>
+                </a:solidFill>
+              </a:rPr>
+              <a:t>8/8</a:t>
             </a:r>
           </a:p>
         </p:txBody>

--- a/docs/songs/trust in god.pptx
+++ b/docs/songs/trust in god.pptx
@@ -216,7 +216,7 @@
           <a:p>
             <a:fld id="{C57EAEFC-A9C7-464E-BE3F-33D4DD72E122}" type="datetimeFigureOut">
               <a:rPr lang="en-GB" smtClean="0"/>
-              <a:t>05/06/2025</a:t>
+              <a:t>07/06/2025</a:t>
             </a:fld>
             <a:endParaRPr lang="en-GB"/>
           </a:p>
@@ -666,7 +666,7 @@
             <a:fld id="{26EA1CF3-4A15-4CBF-9A5A-6A56C368BE71}" type="datetimeFigureOut">
               <a:rPr lang="en-GB" smtClean="0"/>
               <a:pPr/>
-              <a:t>05/06/2025</a:t>
+              <a:t>07/06/2025</a:t>
             </a:fld>
             <a:endParaRPr lang="en-GB"/>
           </a:p>
@@ -833,7 +833,7 @@
             <a:fld id="{26EA1CF3-4A15-4CBF-9A5A-6A56C368BE71}" type="datetimeFigureOut">
               <a:rPr lang="en-GB" smtClean="0"/>
               <a:pPr/>
-              <a:t>05/06/2025</a:t>
+              <a:t>07/06/2025</a:t>
             </a:fld>
             <a:endParaRPr lang="en-GB"/>
           </a:p>
@@ -1010,7 +1010,7 @@
             <a:fld id="{26EA1CF3-4A15-4CBF-9A5A-6A56C368BE71}" type="datetimeFigureOut">
               <a:rPr lang="en-GB" smtClean="0"/>
               <a:pPr/>
-              <a:t>05/06/2025</a:t>
+              <a:t>07/06/2025</a:t>
             </a:fld>
             <a:endParaRPr lang="en-GB"/>
           </a:p>
@@ -1177,7 +1177,7 @@
             <a:fld id="{26EA1CF3-4A15-4CBF-9A5A-6A56C368BE71}" type="datetimeFigureOut">
               <a:rPr lang="en-GB" smtClean="0"/>
               <a:pPr/>
-              <a:t>05/06/2025</a:t>
+              <a:t>07/06/2025</a:t>
             </a:fld>
             <a:endParaRPr lang="en-GB"/>
           </a:p>
@@ -1420,7 +1420,7 @@
             <a:fld id="{26EA1CF3-4A15-4CBF-9A5A-6A56C368BE71}" type="datetimeFigureOut">
               <a:rPr lang="en-GB" smtClean="0"/>
               <a:pPr/>
-              <a:t>05/06/2025</a:t>
+              <a:t>07/06/2025</a:t>
             </a:fld>
             <a:endParaRPr lang="en-GB"/>
           </a:p>
@@ -1705,7 +1705,7 @@
             <a:fld id="{26EA1CF3-4A15-4CBF-9A5A-6A56C368BE71}" type="datetimeFigureOut">
               <a:rPr lang="en-GB" smtClean="0"/>
               <a:pPr/>
-              <a:t>05/06/2025</a:t>
+              <a:t>07/06/2025</a:t>
             </a:fld>
             <a:endParaRPr lang="en-GB"/>
           </a:p>
@@ -2124,7 +2124,7 @@
             <a:fld id="{26EA1CF3-4A15-4CBF-9A5A-6A56C368BE71}" type="datetimeFigureOut">
               <a:rPr lang="en-GB" smtClean="0"/>
               <a:pPr/>
-              <a:t>05/06/2025</a:t>
+              <a:t>07/06/2025</a:t>
             </a:fld>
             <a:endParaRPr lang="en-GB"/>
           </a:p>
@@ -2239,7 +2239,7 @@
             <a:fld id="{26EA1CF3-4A15-4CBF-9A5A-6A56C368BE71}" type="datetimeFigureOut">
               <a:rPr lang="en-GB" smtClean="0"/>
               <a:pPr/>
-              <a:t>05/06/2025</a:t>
+              <a:t>07/06/2025</a:t>
             </a:fld>
             <a:endParaRPr lang="en-GB"/>
           </a:p>
@@ -2331,7 +2331,7 @@
             <a:fld id="{26EA1CF3-4A15-4CBF-9A5A-6A56C368BE71}" type="datetimeFigureOut">
               <a:rPr lang="en-GB" smtClean="0"/>
               <a:pPr/>
-              <a:t>05/06/2025</a:t>
+              <a:t>07/06/2025</a:t>
             </a:fld>
             <a:endParaRPr lang="en-GB"/>
           </a:p>
@@ -2605,7 +2605,7 @@
             <a:fld id="{26EA1CF3-4A15-4CBF-9A5A-6A56C368BE71}" type="datetimeFigureOut">
               <a:rPr lang="en-GB" smtClean="0"/>
               <a:pPr/>
-              <a:t>05/06/2025</a:t>
+              <a:t>07/06/2025</a:t>
             </a:fld>
             <a:endParaRPr lang="en-GB"/>
           </a:p>
@@ -2855,7 +2855,7 @@
             <a:fld id="{26EA1CF3-4A15-4CBF-9A5A-6A56C368BE71}" type="datetimeFigureOut">
               <a:rPr lang="en-GB" smtClean="0"/>
               <a:pPr/>
-              <a:t>05/06/2025</a:t>
+              <a:t>07/06/2025</a:t>
             </a:fld>
             <a:endParaRPr lang="en-GB"/>
           </a:p>
@@ -3064,7 +3064,7 @@
             <a:fld id="{26EA1CF3-4A15-4CBF-9A5A-6A56C368BE71}" type="datetimeFigureOut">
               <a:rPr lang="en-GB" smtClean="0"/>
               <a:pPr/>
-              <a:t>05/06/2025</a:t>
+              <a:t>07/06/2025</a:t>
             </a:fld>
             <a:endParaRPr lang="en-GB"/>
           </a:p>
@@ -3988,7 +3988,7 @@
                   <a:schemeClr val="bg1"/>
                 </a:solidFill>
               </a:rPr>
-              <a:t>My Savior</a:t>
+              <a:t>My Savior, the One </a:t>
             </a:r>
           </a:p>
           <a:p>
@@ -3998,7 +3998,7 @@
                   <a:schemeClr val="bg1"/>
                 </a:solidFill>
               </a:rPr>
-              <a:t>The One who will never fail</a:t>
+              <a:t>Who will never fail</a:t>
             </a:r>
           </a:p>
           <a:p>
@@ -4384,7 +4384,7 @@
                   <a:schemeClr val="bg1"/>
                 </a:solidFill>
               </a:rPr>
-              <a:t>My Savior</a:t>
+              <a:t>My Savior, the One </a:t>
             </a:r>
           </a:p>
           <a:p>
@@ -4394,7 +4394,7 @@
                   <a:schemeClr val="bg1"/>
                 </a:solidFill>
               </a:rPr>
-              <a:t>The One who will never fail</a:t>
+              <a:t>Who will never fail</a:t>
             </a:r>
           </a:p>
           <a:p>
@@ -4646,7 +4646,7 @@
                   <a:schemeClr val="bg1"/>
                 </a:solidFill>
               </a:rPr>
-              <a:t>My Savior</a:t>
+              <a:t>My Savior, the One </a:t>
             </a:r>
           </a:p>
           <a:p>
@@ -4656,7 +4656,7 @@
                   <a:schemeClr val="bg1"/>
                 </a:solidFill>
               </a:rPr>
-              <a:t>The One who will never fail</a:t>
+              <a:t>Who will never fail</a:t>
             </a:r>
           </a:p>
           <a:p>
